--- a/documentation/KiCAD Implementation.pptx
+++ b/documentation/KiCAD Implementation.pptx
@@ -124,16 +124,32 @@
 </p:presentation>
 </file>
 
-<file path=ppt/revisionInfo.xml><?xml version="1.0" encoding="utf-8"?>
-<p1510:revInfo xmlns:a="http://schemas.openxmlformats.org/drawingml/2006/main" xmlns:r="http://schemas.openxmlformats.org/officeDocument/2006/relationships" xmlns:p1510="http://schemas.microsoft.com/office/powerpoint/2015/10/main">
-  <p1510:revLst>
-    <p1510:client id="{95E38B98-D38A-489C-ACCB-C9AE5A6AECE3}" v="5" dt="2023-05-01T06:03:47.199"/>
-  </p1510:revLst>
-</p1510:revInfo>
-</file>
-
 <file path=ppt/changesInfos/changesInfo1.xml><?xml version="1.0" encoding="utf-8"?>
 <pc:chgInfo xmlns:a="http://schemas.openxmlformats.org/drawingml/2006/main" xmlns:r="http://schemas.openxmlformats.org/officeDocument/2006/relationships" xmlns:ac="http://schemas.microsoft.com/office/drawing/2013/main/command" xmlns:pc="http://schemas.microsoft.com/office/powerpoint/2013/main/command">
+  <pc:docChgLst>
+    <pc:chgData name="Franco Harding Garcia" userId="3e9af8f7f92de600" providerId="LiveId" clId="{42733AFF-9CA8-4712-B461-1EC314C2808F}"/>
+    <pc:docChg chg="modSld">
+      <pc:chgData name="Franco Harding Garcia" userId="3e9af8f7f92de600" providerId="LiveId" clId="{42733AFF-9CA8-4712-B461-1EC314C2808F}" dt="2023-06-19T17:55:19.484" v="134" actId="20577"/>
+      <pc:docMkLst>
+        <pc:docMk/>
+      </pc:docMkLst>
+      <pc:sldChg chg="modSp mod">
+        <pc:chgData name="Franco Harding Garcia" userId="3e9af8f7f92de600" providerId="LiveId" clId="{42733AFF-9CA8-4712-B461-1EC314C2808F}" dt="2023-06-19T17:55:19.484" v="134" actId="20577"/>
+        <pc:sldMkLst>
+          <pc:docMk/>
+          <pc:sldMk cId="4229569502" sldId="261"/>
+        </pc:sldMkLst>
+        <pc:spChg chg="mod">
+          <ac:chgData name="Franco Harding Garcia" userId="3e9af8f7f92de600" providerId="LiveId" clId="{42733AFF-9CA8-4712-B461-1EC314C2808F}" dt="2023-06-19T17:55:19.484" v="134" actId="20577"/>
+          <ac:spMkLst>
+            <pc:docMk/>
+            <pc:sldMk cId="4229569502" sldId="261"/>
+            <ac:spMk id="3" creationId="{C8C32F92-E826-0EFE-A479-7B7F296869E7}"/>
+          </ac:spMkLst>
+        </pc:spChg>
+      </pc:sldChg>
+    </pc:docChg>
+  </pc:docChgLst>
   <pc:docChgLst>
     <pc:chgData name="Franco Harding Garcia" userId="3e9af8f7f92de600" providerId="LiveId" clId="{95E38B98-D38A-489C-ACCB-C9AE5A6AECE3}"/>
     <pc:docChg chg="undo custSel addSld delSld modSld">
@@ -433,7 +449,7 @@
           <a:p>
             <a:fld id="{BB21979E-B006-4057-84C9-5A9B877D9939}" type="datetimeFigureOut">
               <a:rPr lang="en-US" smtClean="0"/>
-              <a:t>5/1/2023</a:t>
+              <a:t>6/19/2023</a:t>
             </a:fld>
             <a:endParaRPr lang="en-US"/>
           </a:p>
@@ -631,7 +647,7 @@
           <a:p>
             <a:fld id="{BB21979E-B006-4057-84C9-5A9B877D9939}" type="datetimeFigureOut">
               <a:rPr lang="en-US" smtClean="0"/>
-              <a:t>5/1/2023</a:t>
+              <a:t>6/19/2023</a:t>
             </a:fld>
             <a:endParaRPr lang="en-US"/>
           </a:p>
@@ -839,7 +855,7 @@
           <a:p>
             <a:fld id="{BB21979E-B006-4057-84C9-5A9B877D9939}" type="datetimeFigureOut">
               <a:rPr lang="en-US" smtClean="0"/>
-              <a:t>5/1/2023</a:t>
+              <a:t>6/19/2023</a:t>
             </a:fld>
             <a:endParaRPr lang="en-US"/>
           </a:p>
@@ -1037,7 +1053,7 @@
           <a:p>
             <a:fld id="{BB21979E-B006-4057-84C9-5A9B877D9939}" type="datetimeFigureOut">
               <a:rPr lang="en-US" smtClean="0"/>
-              <a:t>5/1/2023</a:t>
+              <a:t>6/19/2023</a:t>
             </a:fld>
             <a:endParaRPr lang="en-US"/>
           </a:p>
@@ -1312,7 +1328,7 @@
           <a:p>
             <a:fld id="{BB21979E-B006-4057-84C9-5A9B877D9939}" type="datetimeFigureOut">
               <a:rPr lang="en-US" smtClean="0"/>
-              <a:t>5/1/2023</a:t>
+              <a:t>6/19/2023</a:t>
             </a:fld>
             <a:endParaRPr lang="en-US"/>
           </a:p>
@@ -1577,7 +1593,7 @@
           <a:p>
             <a:fld id="{BB21979E-B006-4057-84C9-5A9B877D9939}" type="datetimeFigureOut">
               <a:rPr lang="en-US" smtClean="0"/>
-              <a:t>5/1/2023</a:t>
+              <a:t>6/19/2023</a:t>
             </a:fld>
             <a:endParaRPr lang="en-US"/>
           </a:p>
@@ -1989,7 +2005,7 @@
           <a:p>
             <a:fld id="{BB21979E-B006-4057-84C9-5A9B877D9939}" type="datetimeFigureOut">
               <a:rPr lang="en-US" smtClean="0"/>
-              <a:t>5/1/2023</a:t>
+              <a:t>6/19/2023</a:t>
             </a:fld>
             <a:endParaRPr lang="en-US"/>
           </a:p>
@@ -2130,7 +2146,7 @@
           <a:p>
             <a:fld id="{BB21979E-B006-4057-84C9-5A9B877D9939}" type="datetimeFigureOut">
               <a:rPr lang="en-US" smtClean="0"/>
-              <a:t>5/1/2023</a:t>
+              <a:t>6/19/2023</a:t>
             </a:fld>
             <a:endParaRPr lang="en-US"/>
           </a:p>
@@ -2243,7 +2259,7 @@
           <a:p>
             <a:fld id="{BB21979E-B006-4057-84C9-5A9B877D9939}" type="datetimeFigureOut">
               <a:rPr lang="en-US" smtClean="0"/>
-              <a:t>5/1/2023</a:t>
+              <a:t>6/19/2023</a:t>
             </a:fld>
             <a:endParaRPr lang="en-US"/>
           </a:p>
@@ -2554,7 +2570,7 @@
           <a:p>
             <a:fld id="{BB21979E-B006-4057-84C9-5A9B877D9939}" type="datetimeFigureOut">
               <a:rPr lang="en-US" smtClean="0"/>
-              <a:t>5/1/2023</a:t>
+              <a:t>6/19/2023</a:t>
             </a:fld>
             <a:endParaRPr lang="en-US"/>
           </a:p>
@@ -2842,7 +2858,7 @@
           <a:p>
             <a:fld id="{BB21979E-B006-4057-84C9-5A9B877D9939}" type="datetimeFigureOut">
               <a:rPr lang="en-US" smtClean="0"/>
-              <a:t>5/1/2023</a:t>
+              <a:t>6/19/2023</a:t>
             </a:fld>
             <a:endParaRPr lang="en-US"/>
           </a:p>
@@ -3083,7 +3099,7 @@
           <a:p>
             <a:fld id="{BB21979E-B006-4057-84C9-5A9B877D9939}" type="datetimeFigureOut">
               <a:rPr lang="en-US" smtClean="0"/>
-              <a:t>5/1/2023</a:t>
+              <a:t>6/19/2023</a:t>
             </a:fld>
             <a:endParaRPr lang="en-US"/>
           </a:p>
@@ -3805,16 +3821,29 @@
           <a:p>
             <a:r>
               <a:rPr lang="en-US" dirty="0"/>
-              <a:t>Unzip ProjectScripts.zip from documentation into the plugin directory of </a:t>
+              <a:t>After cloning or downloading </a:t>
             </a:r>
             <a:r>
               <a:rPr lang="en-US" dirty="0" err="1"/>
-              <a:t>KiCAD</a:t>
+              <a:t>github</a:t>
             </a:r>
             <a:r>
               <a:rPr lang="en-US" dirty="0"/>
-              <a:t>.</a:t>
-            </a:r>
+              <a:t> repository, paste the </a:t>
+            </a:r>
+            <a:r>
+              <a:rPr lang="en-US" dirty="0" err="1"/>
+              <a:t>src</a:t>
+            </a:r>
+            <a:r>
+              <a:rPr lang="en-US" dirty="0"/>
+              <a:t> folder into </a:t>
+            </a:r>
+            <a:r>
+              <a:rPr lang="en-US"/>
+              <a:t>plugin directory.  </a:t>
+            </a:r>
+            <a:endParaRPr lang="en-US" dirty="0"/>
           </a:p>
           <a:p>
             <a:r>
